--- a/ArtGen_Review1.pptx
+++ b/ArtGen_Review1.pptx
@@ -3903,654 +3903,6 @@
   <p:clrMapOvr>
     <a:masterClrMapping/>
   </p:clrMapOvr>
-  <p:timing>
-    <p:tnLst>
-      <p:par>
-        <p:cTn id="1" dur="indefinite" restart="never" nodeType="tmRoot">
-          <p:childTnLst>
-            <p:seq>
-              <p:cTn id="2" dur="indefinite" nodeType="mainSeq">
-                <p:childTnLst>
-                  <p:par>
-                    <p:cTn id="3" fill="hold">
-                      <p:stCondLst>
-                        <p:cond delay="indefinite"/>
-                      </p:stCondLst>
-                      <p:childTnLst>
-                        <p:par>
-                          <p:cTn id="4" fill="hold">
-                            <p:stCondLst>
-                              <p:cond delay="0"/>
-                            </p:stCondLst>
-                            <p:childTnLst>
-                              <p:par>
-                                <p:cTn id="5" presetID="2" presetClass="entr" presetSubtype="4" fill="hold" nodeType="clickEffect">
-                                  <p:stCondLst>
-                                    <p:cond delay="0"/>
-                                  </p:stCondLst>
-                                  <p:childTnLst>
-                                    <p:set>
-                                      <p:cBhvr>
-                                        <p:cTn id="6" dur="1" fill="hold">
-                                          <p:stCondLst>
-                                            <p:cond delay="0"/>
-                                          </p:stCondLst>
-                                        </p:cTn>
-                                        <p:tgtEl>
-                                          <p:spTgt spid="42">
-                                            <p:txEl>
-                                              <p:pRg st="4" end="4"/>
-                                            </p:txEl>
-                                          </p:spTgt>
-                                        </p:tgtEl>
-                                        <p:attrNameLst>
-                                          <p:attrName>style.visibility</p:attrName>
-                                        </p:attrNameLst>
-                                      </p:cBhvr>
-                                      <p:to>
-                                        <p:strVal val="visible"/>
-                                      </p:to>
-                                    </p:set>
-                                    <p:anim calcmode="lin" valueType="num">
-                                      <p:cBhvr additive="repl">
-                                        <p:cTn id="7" dur="500" fill="hold"/>
-                                        <p:tgtEl>
-                                          <p:spTgt spid="42">
-                                            <p:txEl>
-                                              <p:pRg st="4" end="4"/>
-                                            </p:txEl>
-                                          </p:spTgt>
-                                        </p:tgtEl>
-                                        <p:attrNameLst>
-                                          <p:attrName>ppt_x</p:attrName>
-                                        </p:attrNameLst>
-                                      </p:cBhvr>
-                                      <p:tavLst>
-                                        <p:tav tm="0">
-                                          <p:val>
-                                            <p:strVal val="#ppt_x"/>
-                                          </p:val>
-                                        </p:tav>
-                                        <p:tav tm="100000">
-                                          <p:val>
-                                            <p:strVal val="#ppt_x"/>
-                                          </p:val>
-                                        </p:tav>
-                                      </p:tavLst>
-                                    </p:anim>
-                                    <p:anim calcmode="lin" valueType="num">
-                                      <p:cBhvr additive="repl">
-                                        <p:cTn id="8" dur="500" fill="hold"/>
-                                        <p:tgtEl>
-                                          <p:spTgt spid="42">
-                                            <p:txEl>
-                                              <p:pRg st="4" end="4"/>
-                                            </p:txEl>
-                                          </p:spTgt>
-                                        </p:tgtEl>
-                                        <p:attrNameLst>
-                                          <p:attrName>ppt_y</p:attrName>
-                                        </p:attrNameLst>
-                                      </p:cBhvr>
-                                      <p:tavLst>
-                                        <p:tav tm="0">
-                                          <p:val>
-                                            <p:strVal val="1+#ppt_h/2"/>
-                                          </p:val>
-                                        </p:tav>
-                                        <p:tav tm="100000">
-                                          <p:val>
-                                            <p:strVal val="#ppt_y"/>
-                                          </p:val>
-                                        </p:tav>
-                                      </p:tavLst>
-                                    </p:anim>
-                                  </p:childTnLst>
-                                </p:cTn>
-                              </p:par>
-                            </p:childTnLst>
-                          </p:cTn>
-                        </p:par>
-                      </p:childTnLst>
-                    </p:cTn>
-                  </p:par>
-                  <p:par>
-                    <p:cTn id="9" fill="hold">
-                      <p:stCondLst>
-                        <p:cond delay="indefinite"/>
-                      </p:stCondLst>
-                      <p:childTnLst>
-                        <p:par>
-                          <p:cTn id="10" fill="hold">
-                            <p:stCondLst>
-                              <p:cond delay="0"/>
-                            </p:stCondLst>
-                            <p:childTnLst>
-                              <p:par>
-                                <p:cTn id="11" presetID="2" presetClass="entr" presetSubtype="4" fill="hold" nodeType="clickEffect">
-                                  <p:stCondLst>
-                                    <p:cond delay="0"/>
-                                  </p:stCondLst>
-                                  <p:childTnLst>
-                                    <p:set>
-                                      <p:cBhvr>
-                                        <p:cTn id="12" dur="1" fill="hold">
-                                          <p:stCondLst>
-                                            <p:cond delay="0"/>
-                                          </p:stCondLst>
-                                        </p:cTn>
-                                        <p:tgtEl>
-                                          <p:spTgt spid="42">
-                                            <p:txEl>
-                                              <p:pRg st="0" end="0"/>
-                                            </p:txEl>
-                                          </p:spTgt>
-                                        </p:tgtEl>
-                                        <p:attrNameLst>
-                                          <p:attrName>style.visibility</p:attrName>
-                                        </p:attrNameLst>
-                                      </p:cBhvr>
-                                      <p:to>
-                                        <p:strVal val="visible"/>
-                                      </p:to>
-                                    </p:set>
-                                    <p:anim calcmode="lin" valueType="num">
-                                      <p:cBhvr additive="repl">
-                                        <p:cTn id="13" dur="500" fill="hold"/>
-                                        <p:tgtEl>
-                                          <p:spTgt spid="42">
-                                            <p:txEl>
-                                              <p:pRg st="0" end="0"/>
-                                            </p:txEl>
-                                          </p:spTgt>
-                                        </p:tgtEl>
-                                        <p:attrNameLst>
-                                          <p:attrName>ppt_x</p:attrName>
-                                        </p:attrNameLst>
-                                      </p:cBhvr>
-                                      <p:tavLst>
-                                        <p:tav tm="0">
-                                          <p:val>
-                                            <p:strVal val="#ppt_x"/>
-                                          </p:val>
-                                        </p:tav>
-                                        <p:tav tm="100000">
-                                          <p:val>
-                                            <p:strVal val="#ppt_x"/>
-                                          </p:val>
-                                        </p:tav>
-                                      </p:tavLst>
-                                    </p:anim>
-                                    <p:anim calcmode="lin" valueType="num">
-                                      <p:cBhvr additive="repl">
-                                        <p:cTn id="14" dur="500" fill="hold"/>
-                                        <p:tgtEl>
-                                          <p:spTgt spid="42">
-                                            <p:txEl>
-                                              <p:pRg st="0" end="0"/>
-                                            </p:txEl>
-                                          </p:spTgt>
-                                        </p:tgtEl>
-                                        <p:attrNameLst>
-                                          <p:attrName>ppt_y</p:attrName>
-                                        </p:attrNameLst>
-                                      </p:cBhvr>
-                                      <p:tavLst>
-                                        <p:tav tm="0">
-                                          <p:val>
-                                            <p:strVal val="1+#ppt_h/2"/>
-                                          </p:val>
-                                        </p:tav>
-                                        <p:tav tm="100000">
-                                          <p:val>
-                                            <p:strVal val="#ppt_y"/>
-                                          </p:val>
-                                        </p:tav>
-                                      </p:tavLst>
-                                    </p:anim>
-                                  </p:childTnLst>
-                                </p:cTn>
-                              </p:par>
-                            </p:childTnLst>
-                          </p:cTn>
-                        </p:par>
-                      </p:childTnLst>
-                    </p:cTn>
-                  </p:par>
-                  <p:par>
-                    <p:cTn id="15" fill="hold">
-                      <p:stCondLst>
-                        <p:cond delay="indefinite"/>
-                      </p:stCondLst>
-                      <p:childTnLst>
-                        <p:par>
-                          <p:cTn id="16" fill="hold">
-                            <p:stCondLst>
-                              <p:cond delay="0"/>
-                            </p:stCondLst>
-                            <p:childTnLst>
-                              <p:par>
-                                <p:cTn id="17" presetID="2" presetClass="entr" presetSubtype="4" fill="hold" nodeType="clickEffect">
-                                  <p:stCondLst>
-                                    <p:cond delay="0"/>
-                                  </p:stCondLst>
-                                  <p:childTnLst>
-                                    <p:set>
-                                      <p:cBhvr>
-                                        <p:cTn id="18" dur="1" fill="hold">
-                                          <p:stCondLst>
-                                            <p:cond delay="0"/>
-                                          </p:stCondLst>
-                                        </p:cTn>
-                                        <p:tgtEl>
-                                          <p:spTgt spid="42">
-                                            <p:txEl>
-                                              <p:pRg st="1" end="1"/>
-                                            </p:txEl>
-                                          </p:spTgt>
-                                        </p:tgtEl>
-                                        <p:attrNameLst>
-                                          <p:attrName>style.visibility</p:attrName>
-                                        </p:attrNameLst>
-                                      </p:cBhvr>
-                                      <p:to>
-                                        <p:strVal val="visible"/>
-                                      </p:to>
-                                    </p:set>
-                                    <p:anim calcmode="lin" valueType="num">
-                                      <p:cBhvr additive="repl">
-                                        <p:cTn id="19" dur="500" fill="hold"/>
-                                        <p:tgtEl>
-                                          <p:spTgt spid="42">
-                                            <p:txEl>
-                                              <p:pRg st="1" end="1"/>
-                                            </p:txEl>
-                                          </p:spTgt>
-                                        </p:tgtEl>
-                                        <p:attrNameLst>
-                                          <p:attrName>ppt_x</p:attrName>
-                                        </p:attrNameLst>
-                                      </p:cBhvr>
-                                      <p:tavLst>
-                                        <p:tav tm="0">
-                                          <p:val>
-                                            <p:strVal val="#ppt_x"/>
-                                          </p:val>
-                                        </p:tav>
-                                        <p:tav tm="100000">
-                                          <p:val>
-                                            <p:strVal val="#ppt_x"/>
-                                          </p:val>
-                                        </p:tav>
-                                      </p:tavLst>
-                                    </p:anim>
-                                    <p:anim calcmode="lin" valueType="num">
-                                      <p:cBhvr additive="repl">
-                                        <p:cTn id="20" dur="500" fill="hold"/>
-                                        <p:tgtEl>
-                                          <p:spTgt spid="42">
-                                            <p:txEl>
-                                              <p:pRg st="1" end="1"/>
-                                            </p:txEl>
-                                          </p:spTgt>
-                                        </p:tgtEl>
-                                        <p:attrNameLst>
-                                          <p:attrName>ppt_y</p:attrName>
-                                        </p:attrNameLst>
-                                      </p:cBhvr>
-                                      <p:tavLst>
-                                        <p:tav tm="0">
-                                          <p:val>
-                                            <p:strVal val="1+#ppt_h/2"/>
-                                          </p:val>
-                                        </p:tav>
-                                        <p:tav tm="100000">
-                                          <p:val>
-                                            <p:strVal val="#ppt_y"/>
-                                          </p:val>
-                                        </p:tav>
-                                      </p:tavLst>
-                                    </p:anim>
-                                  </p:childTnLst>
-                                </p:cTn>
-                              </p:par>
-                            </p:childTnLst>
-                          </p:cTn>
-                        </p:par>
-                      </p:childTnLst>
-                    </p:cTn>
-                  </p:par>
-                  <p:par>
-                    <p:cTn id="21" fill="hold">
-                      <p:stCondLst>
-                        <p:cond delay="indefinite"/>
-                      </p:stCondLst>
-                      <p:childTnLst>
-                        <p:par>
-                          <p:cTn id="22" fill="hold">
-                            <p:stCondLst>
-                              <p:cond delay="0"/>
-                            </p:stCondLst>
-                            <p:childTnLst>
-                              <p:par>
-                                <p:cTn id="23" presetID="2" presetClass="entr" presetSubtype="4" fill="hold" nodeType="clickEffect">
-                                  <p:stCondLst>
-                                    <p:cond delay="0"/>
-                                  </p:stCondLst>
-                                  <p:childTnLst>
-                                    <p:set>
-                                      <p:cBhvr>
-                                        <p:cTn id="24" dur="1" fill="hold">
-                                          <p:stCondLst>
-                                            <p:cond delay="0"/>
-                                          </p:stCondLst>
-                                        </p:cTn>
-                                        <p:tgtEl>
-                                          <p:spTgt spid="42">
-                                            <p:txEl>
-                                              <p:pRg st="2" end="2"/>
-                                            </p:txEl>
-                                          </p:spTgt>
-                                        </p:tgtEl>
-                                        <p:attrNameLst>
-                                          <p:attrName>style.visibility</p:attrName>
-                                        </p:attrNameLst>
-                                      </p:cBhvr>
-                                      <p:to>
-                                        <p:strVal val="visible"/>
-                                      </p:to>
-                                    </p:set>
-                                    <p:anim calcmode="lin" valueType="num">
-                                      <p:cBhvr additive="repl">
-                                        <p:cTn id="25" dur="500" fill="hold"/>
-                                        <p:tgtEl>
-                                          <p:spTgt spid="42">
-                                            <p:txEl>
-                                              <p:pRg st="2" end="2"/>
-                                            </p:txEl>
-                                          </p:spTgt>
-                                        </p:tgtEl>
-                                        <p:attrNameLst>
-                                          <p:attrName>ppt_x</p:attrName>
-                                        </p:attrNameLst>
-                                      </p:cBhvr>
-                                      <p:tavLst>
-                                        <p:tav tm="0">
-                                          <p:val>
-                                            <p:strVal val="#ppt_x"/>
-                                          </p:val>
-                                        </p:tav>
-                                        <p:tav tm="100000">
-                                          <p:val>
-                                            <p:strVal val="#ppt_x"/>
-                                          </p:val>
-                                        </p:tav>
-                                      </p:tavLst>
-                                    </p:anim>
-                                    <p:anim calcmode="lin" valueType="num">
-                                      <p:cBhvr additive="repl">
-                                        <p:cTn id="26" dur="500" fill="hold"/>
-                                        <p:tgtEl>
-                                          <p:spTgt spid="42">
-                                            <p:txEl>
-                                              <p:pRg st="2" end="2"/>
-                                            </p:txEl>
-                                          </p:spTgt>
-                                        </p:tgtEl>
-                                        <p:attrNameLst>
-                                          <p:attrName>ppt_y</p:attrName>
-                                        </p:attrNameLst>
-                                      </p:cBhvr>
-                                      <p:tavLst>
-                                        <p:tav tm="0">
-                                          <p:val>
-                                            <p:strVal val="1+#ppt_h/2"/>
-                                          </p:val>
-                                        </p:tav>
-                                        <p:tav tm="100000">
-                                          <p:val>
-                                            <p:strVal val="#ppt_y"/>
-                                          </p:val>
-                                        </p:tav>
-                                      </p:tavLst>
-                                    </p:anim>
-                                  </p:childTnLst>
-                                </p:cTn>
-                              </p:par>
-                            </p:childTnLst>
-                          </p:cTn>
-                        </p:par>
-                      </p:childTnLst>
-                    </p:cTn>
-                  </p:par>
-                  <p:par>
-                    <p:cTn id="27" fill="hold">
-                      <p:stCondLst>
-                        <p:cond delay="indefinite"/>
-                      </p:stCondLst>
-                      <p:childTnLst>
-                        <p:par>
-                          <p:cTn id="28" fill="hold">
-                            <p:stCondLst>
-                              <p:cond delay="0"/>
-                            </p:stCondLst>
-                            <p:childTnLst>
-                              <p:par>
-                                <p:cTn id="29" presetID="2" presetClass="entr" presetSubtype="4" fill="hold" nodeType="clickEffect">
-                                  <p:stCondLst>
-                                    <p:cond delay="0"/>
-                                  </p:stCondLst>
-                                  <p:childTnLst>
-                                    <p:set>
-                                      <p:cBhvr>
-                                        <p:cTn id="30" dur="1" fill="hold">
-                                          <p:stCondLst>
-                                            <p:cond delay="0"/>
-                                          </p:stCondLst>
-                                        </p:cTn>
-                                        <p:tgtEl>
-                                          <p:spTgt spid="42">
-                                            <p:txEl>
-                                              <p:pRg st="3" end="3"/>
-                                            </p:txEl>
-                                          </p:spTgt>
-                                        </p:tgtEl>
-                                        <p:attrNameLst>
-                                          <p:attrName>style.visibility</p:attrName>
-                                        </p:attrNameLst>
-                                      </p:cBhvr>
-                                      <p:to>
-                                        <p:strVal val="visible"/>
-                                      </p:to>
-                                    </p:set>
-                                    <p:anim calcmode="lin" valueType="num">
-                                      <p:cBhvr additive="repl">
-                                        <p:cTn id="31" dur="500" fill="hold"/>
-                                        <p:tgtEl>
-                                          <p:spTgt spid="42">
-                                            <p:txEl>
-                                              <p:pRg st="3" end="3"/>
-                                            </p:txEl>
-                                          </p:spTgt>
-                                        </p:tgtEl>
-                                        <p:attrNameLst>
-                                          <p:attrName>ppt_x</p:attrName>
-                                        </p:attrNameLst>
-                                      </p:cBhvr>
-                                      <p:tavLst>
-                                        <p:tav tm="0">
-                                          <p:val>
-                                            <p:strVal val="#ppt_x"/>
-                                          </p:val>
-                                        </p:tav>
-                                        <p:tav tm="100000">
-                                          <p:val>
-                                            <p:strVal val="#ppt_x"/>
-                                          </p:val>
-                                        </p:tav>
-                                      </p:tavLst>
-                                    </p:anim>
-                                    <p:anim calcmode="lin" valueType="num">
-                                      <p:cBhvr additive="repl">
-                                        <p:cTn id="32" dur="500" fill="hold"/>
-                                        <p:tgtEl>
-                                          <p:spTgt spid="42">
-                                            <p:txEl>
-                                              <p:pRg st="3" end="3"/>
-                                            </p:txEl>
-                                          </p:spTgt>
-                                        </p:tgtEl>
-                                        <p:attrNameLst>
-                                          <p:attrName>ppt_y</p:attrName>
-                                        </p:attrNameLst>
-                                      </p:cBhvr>
-                                      <p:tavLst>
-                                        <p:tav tm="0">
-                                          <p:val>
-                                            <p:strVal val="1+#ppt_h/2"/>
-                                          </p:val>
-                                        </p:tav>
-                                        <p:tav tm="100000">
-                                          <p:val>
-                                            <p:strVal val="#ppt_y"/>
-                                          </p:val>
-                                        </p:tav>
-                                      </p:tavLst>
-                                    </p:anim>
-                                  </p:childTnLst>
-                                </p:cTn>
-                              </p:par>
-                            </p:childTnLst>
-                          </p:cTn>
-                        </p:par>
-                      </p:childTnLst>
-                    </p:cTn>
-                  </p:par>
-                  <p:par>
-                    <p:cTn id="33" fill="hold">
-                      <p:stCondLst>
-                        <p:cond delay="indefinite"/>
-                      </p:stCondLst>
-                      <p:childTnLst>
-                        <p:par>
-                          <p:cTn id="34" fill="hold">
-                            <p:stCondLst>
-                              <p:cond delay="0"/>
-                            </p:stCondLst>
-                            <p:childTnLst>
-                              <p:par>
-                                <p:cTn id="35" presetID="2" presetClass="entr" presetSubtype="4" fill="hold" nodeType="clickEffect">
-                                  <p:stCondLst>
-                                    <p:cond delay="0"/>
-                                  </p:stCondLst>
-                                  <p:childTnLst>
-                                    <p:set>
-                                      <p:cBhvr>
-                                        <p:cTn id="36" dur="1" fill="hold">
-                                          <p:stCondLst>
-                                            <p:cond delay="0"/>
-                                          </p:stCondLst>
-                                        </p:cTn>
-                                        <p:tgtEl>
-                                          <p:spTgt spid="42">
-                                            <p:txEl>
-                                              <p:pRg st="5" end="5"/>
-                                            </p:txEl>
-                                          </p:spTgt>
-                                        </p:tgtEl>
-                                        <p:attrNameLst>
-                                          <p:attrName>style.visibility</p:attrName>
-                                        </p:attrNameLst>
-                                      </p:cBhvr>
-                                      <p:to>
-                                        <p:strVal val="visible"/>
-                                      </p:to>
-                                    </p:set>
-                                    <p:anim calcmode="lin" valueType="num">
-                                      <p:cBhvr additive="repl">
-                                        <p:cTn id="37" dur="500" fill="hold"/>
-                                        <p:tgtEl>
-                                          <p:spTgt spid="42">
-                                            <p:txEl>
-                                              <p:pRg st="5" end="5"/>
-                                            </p:txEl>
-                                          </p:spTgt>
-                                        </p:tgtEl>
-                                        <p:attrNameLst>
-                                          <p:attrName>ppt_x</p:attrName>
-                                        </p:attrNameLst>
-                                      </p:cBhvr>
-                                      <p:tavLst>
-                                        <p:tav tm="0">
-                                          <p:val>
-                                            <p:strVal val="#ppt_x"/>
-                                          </p:val>
-                                        </p:tav>
-                                        <p:tav tm="100000">
-                                          <p:val>
-                                            <p:strVal val="#ppt_x"/>
-                                          </p:val>
-                                        </p:tav>
-                                      </p:tavLst>
-                                    </p:anim>
-                                    <p:anim calcmode="lin" valueType="num">
-                                      <p:cBhvr additive="repl">
-                                        <p:cTn id="38" dur="500" fill="hold"/>
-                                        <p:tgtEl>
-                                          <p:spTgt spid="42">
-                                            <p:txEl>
-                                              <p:pRg st="5" end="5"/>
-                                            </p:txEl>
-                                          </p:spTgt>
-                                        </p:tgtEl>
-                                        <p:attrNameLst>
-                                          <p:attrName>ppt_y</p:attrName>
-                                        </p:attrNameLst>
-                                      </p:cBhvr>
-                                      <p:tavLst>
-                                        <p:tav tm="0">
-                                          <p:val>
-                                            <p:strVal val="1+#ppt_h/2"/>
-                                          </p:val>
-                                        </p:tav>
-                                        <p:tav tm="100000">
-                                          <p:val>
-                                            <p:strVal val="#ppt_y"/>
-                                          </p:val>
-                                        </p:tav>
-                                      </p:tavLst>
-                                    </p:anim>
-                                  </p:childTnLst>
-                                </p:cTn>
-                              </p:par>
-                            </p:childTnLst>
-                          </p:cTn>
-                        </p:par>
-                      </p:childTnLst>
-                    </p:cTn>
-                  </p:par>
-                </p:childTnLst>
-              </p:cTn>
-              <p:prevCondLst>
-                <p:cond evt="onPrev" delay="0">
-                  <p:tgtEl>
-                    <p:sldTgt/>
-                  </p:tgtEl>
-                </p:cond>
-              </p:prevCondLst>
-              <p:nextCondLst>
-                <p:cond evt="onNext" delay="0">
-                  <p:tgtEl>
-                    <p:sldTgt/>
-                  </p:tgtEl>
-                </p:cond>
-              </p:nextCondLst>
-            </p:seq>
-          </p:childTnLst>
-        </p:cTn>
-      </p:par>
-    </p:tnLst>
-  </p:timing>
 </p:sld>
 </file>
 
@@ -6842,16 +6194,9 @@
         </p:nvSpPr>
         <p:spPr>
           <a:xfrm>
-            <a:off x="0" y="0"/>
-            <a:ext cx="12191400" cy="1324800"/>
+            <a:off x="609480" y="273600"/>
+            <a:ext cx="10972440" cy="1144800"/>
           </a:xfrm>
-          <a:prstGeom prst="rect">
-            <a:avLst/>
-          </a:prstGeom>
-          <a:noFill/>
-          <a:ln w="0">
-            <a:noFill/>
-          </a:ln>
         </p:spPr>
         <p:txBody>
           <a:bodyPr lIns="90000" tIns="45000" rIns="90000" bIns="45000" anchor="ctr">
@@ -6860,20 +6205,16 @@
           <a:lstStyle/>
           <a:p>
             <a:pPr indent="0" algn="ctr">
-              <a:lnSpc>
-                <a:spcPct val="90000"/>
-              </a:lnSpc>
               <a:buNone/>
               <a:tabLst>
                 <a:tab pos="0" algn="l"/>
               </a:tabLst>
             </a:pPr>
             <a:r>
-              <a:rPr lang="en-US" sz="4000" b="0" strike="noStrike" spc="-1" dirty="0">
+              <a:rPr lang="en-US" b="0" strike="noStrike" spc="-1">
                 <a:solidFill>
                   <a:srgbClr val="000000"/>
                 </a:solidFill>
-                <a:latin typeface="Times New Roman"/>
               </a:rPr>
               <a:t>Proposed Architecture</a:t>
             </a:r>
@@ -6882,30 +6223,34 @@
       </p:sp>
       <p:pic>
         <p:nvPicPr>
-          <p:cNvPr id="3" name="Content Placeholder 2">
+          <p:cNvPr id="4" name="Picture 3" descr="A diagram of a flowchart&#10;&#10;Description automatically generated">
             <a:extLst>
               <a:ext uri="{FF2B5EF4-FFF2-40B4-BE49-F238E27FC236}">
-                <a16:creationId xmlns:a16="http://schemas.microsoft.com/office/drawing/2014/main" id="{AC5421B3-5505-5222-3BA1-3DB896719E3E}"/>
+                <a16:creationId xmlns:a16="http://schemas.microsoft.com/office/drawing/2014/main" id="{0BA21597-7DAD-0800-DC81-98A83A02B9D2}"/>
               </a:ext>
             </a:extLst>
           </p:cNvPr>
           <p:cNvPicPr>
-            <a:picLocks noGrp="1" noChangeAspect="1"/>
+            <a:picLocks noChangeAspect="1"/>
           </p:cNvPicPr>
-          <p:nvPr>
-            <p:ph/>
-          </p:nvPr>
+          <p:nvPr/>
         </p:nvPicPr>
         <p:blipFill>
-          <a:blip r:embed="rId2"/>
+          <a:blip r:embed="rId2">
+            <a:extLst>
+              <a:ext uri="{28A0092B-C50C-407E-A947-70E740481C1C}">
+                <a14:useLocalDpi xmlns:a14="http://schemas.microsoft.com/office/drawing/2010/main" val="0"/>
+              </a:ext>
+            </a:extLst>
+          </a:blip>
           <a:stretch>
             <a:fillRect/>
           </a:stretch>
         </p:blipFill>
         <p:spPr>
           <a:xfrm>
-            <a:off x="346500" y="1324800"/>
-            <a:ext cx="11498400" cy="4850640"/>
+            <a:off x="1506530" y="1604520"/>
+            <a:ext cx="9178339" cy="3977280"/>
           </a:xfrm>
           <a:prstGeom prst="rect">
             <a:avLst/>
@@ -7192,9 +6537,6 @@
   <p:clrMapOvr>
     <a:masterClrMapping/>
   </p:clrMapOvr>
-  <p:transition spd="slow">
-    <p:randomBar dir="vert"/>
-  </p:transition>
 </p:sld>
 </file>
 
@@ -7319,9 +6661,6 @@
   <p:clrMapOvr>
     <a:masterClrMapping/>
   </p:clrMapOvr>
-  <p:transition spd="slow">
-    <p:randomBar dir="vert"/>
-  </p:transition>
 </p:sld>
 </file>
 
